--- a/doc/task10/scrum_presentation.pptx
+++ b/doc/task10/scrum_presentation.pptx
@@ -159,7 +159,7 @@
           </a:lstStyle>
           <a:p>
             <a:r>
-              <a:rPr lang="de-DE" smtClean="0"/>
+              <a:rPr lang="de-DE"/>
               <a:t>Titelmasterformat durch Klicken bearbeiten</a:t>
             </a:r>
             <a:endParaRPr lang="de-CH"/>
@@ -224,7 +224,7 @@
           </a:lstStyle>
           <a:p>
             <a:r>
-              <a:rPr lang="de-DE" smtClean="0"/>
+              <a:rPr lang="de-DE"/>
               <a:t>Formatvorlage des Untertitelmasters durch Klicken bearbeiten</a:t>
             </a:r>
             <a:endParaRPr lang="de-CH"/>
@@ -248,7 +248,7 @@
           <a:p>
             <a:fld id="{4681F75E-962A-45C3-98CE-8645D5A252DE}" type="datetimeFigureOut">
               <a:rPr lang="de-CH" smtClean="0"/>
-              <a:t>01.12.2016</a:t>
+              <a:t>02.12.2016</a:t>
             </a:fld>
             <a:endParaRPr lang="de-CH"/>
           </a:p>
@@ -342,7 +342,7 @@
           <a:lstStyle/>
           <a:p>
             <a:r>
-              <a:rPr lang="de-DE" smtClean="0"/>
+              <a:rPr lang="de-DE"/>
               <a:t>Titelmasterformat durch Klicken bearbeiten</a:t>
             </a:r>
             <a:endParaRPr lang="de-CH"/>
@@ -366,35 +366,35 @@
           <a:p>
             <a:pPr lvl="0"/>
             <a:r>
-              <a:rPr lang="de-DE" smtClean="0"/>
+              <a:rPr lang="de-DE"/>
               <a:t>Textmasterformat bearbeiten</a:t>
             </a:r>
           </a:p>
           <a:p>
             <a:pPr lvl="1"/>
             <a:r>
-              <a:rPr lang="de-DE" smtClean="0"/>
+              <a:rPr lang="de-DE"/>
               <a:t>Zweite Ebene</a:t>
             </a:r>
           </a:p>
           <a:p>
             <a:pPr lvl="2"/>
             <a:r>
-              <a:rPr lang="de-DE" smtClean="0"/>
+              <a:rPr lang="de-DE"/>
               <a:t>Dritte Ebene</a:t>
             </a:r>
           </a:p>
           <a:p>
             <a:pPr lvl="3"/>
             <a:r>
-              <a:rPr lang="de-DE" smtClean="0"/>
+              <a:rPr lang="de-DE"/>
               <a:t>Vierte Ebene</a:t>
             </a:r>
           </a:p>
           <a:p>
             <a:pPr lvl="4"/>
             <a:r>
-              <a:rPr lang="de-DE" smtClean="0"/>
+              <a:rPr lang="de-DE"/>
               <a:t>Fünfte Ebene</a:t>
             </a:r>
             <a:endParaRPr lang="de-CH"/>
@@ -418,7 +418,7 @@
           <a:p>
             <a:fld id="{4681F75E-962A-45C3-98CE-8645D5A252DE}" type="datetimeFigureOut">
               <a:rPr lang="de-CH" smtClean="0"/>
-              <a:t>01.12.2016</a:t>
+              <a:t>02.12.2016</a:t>
             </a:fld>
             <a:endParaRPr lang="de-CH"/>
           </a:p>
@@ -517,7 +517,7 @@
           <a:lstStyle/>
           <a:p>
             <a:r>
-              <a:rPr lang="de-DE" smtClean="0"/>
+              <a:rPr lang="de-DE"/>
               <a:t>Titelmasterformat durch Klicken bearbeiten</a:t>
             </a:r>
             <a:endParaRPr lang="de-CH"/>
@@ -546,35 +546,35 @@
           <a:p>
             <a:pPr lvl="0"/>
             <a:r>
-              <a:rPr lang="de-DE" smtClean="0"/>
+              <a:rPr lang="de-DE"/>
               <a:t>Textmasterformat bearbeiten</a:t>
             </a:r>
           </a:p>
           <a:p>
             <a:pPr lvl="1"/>
             <a:r>
-              <a:rPr lang="de-DE" smtClean="0"/>
+              <a:rPr lang="de-DE"/>
               <a:t>Zweite Ebene</a:t>
             </a:r>
           </a:p>
           <a:p>
             <a:pPr lvl="2"/>
             <a:r>
-              <a:rPr lang="de-DE" smtClean="0"/>
+              <a:rPr lang="de-DE"/>
               <a:t>Dritte Ebene</a:t>
             </a:r>
           </a:p>
           <a:p>
             <a:pPr lvl="3"/>
             <a:r>
-              <a:rPr lang="de-DE" smtClean="0"/>
+              <a:rPr lang="de-DE"/>
               <a:t>Vierte Ebene</a:t>
             </a:r>
           </a:p>
           <a:p>
             <a:pPr lvl="4"/>
             <a:r>
-              <a:rPr lang="de-DE" smtClean="0"/>
+              <a:rPr lang="de-DE"/>
               <a:t>Fünfte Ebene</a:t>
             </a:r>
             <a:endParaRPr lang="de-CH"/>
@@ -598,7 +598,7 @@
           <a:p>
             <a:fld id="{4681F75E-962A-45C3-98CE-8645D5A252DE}" type="datetimeFigureOut">
               <a:rPr lang="de-CH" smtClean="0"/>
-              <a:t>01.12.2016</a:t>
+              <a:t>02.12.2016</a:t>
             </a:fld>
             <a:endParaRPr lang="de-CH"/>
           </a:p>
@@ -1721,7 +1721,7 @@
           <a:lstStyle/>
           <a:p>
             <a:r>
-              <a:rPr lang="de-DE" smtClean="0"/>
+              <a:rPr lang="de-DE"/>
               <a:t>Titelmasterformat durch Klicken bearbeiten</a:t>
             </a:r>
             <a:endParaRPr lang="de-CH"/>
@@ -1745,35 +1745,35 @@
           <a:p>
             <a:pPr lvl="0"/>
             <a:r>
-              <a:rPr lang="de-DE" smtClean="0"/>
+              <a:rPr lang="de-DE"/>
               <a:t>Textmasterformat bearbeiten</a:t>
             </a:r>
           </a:p>
           <a:p>
             <a:pPr lvl="1"/>
             <a:r>
-              <a:rPr lang="de-DE" smtClean="0"/>
+              <a:rPr lang="de-DE"/>
               <a:t>Zweite Ebene</a:t>
             </a:r>
           </a:p>
           <a:p>
             <a:pPr lvl="2"/>
             <a:r>
-              <a:rPr lang="de-DE" smtClean="0"/>
+              <a:rPr lang="de-DE"/>
               <a:t>Dritte Ebene</a:t>
             </a:r>
           </a:p>
           <a:p>
             <a:pPr lvl="3"/>
             <a:r>
-              <a:rPr lang="de-DE" smtClean="0"/>
+              <a:rPr lang="de-DE"/>
               <a:t>Vierte Ebene</a:t>
             </a:r>
           </a:p>
           <a:p>
             <a:pPr lvl="4"/>
             <a:r>
-              <a:rPr lang="de-DE" smtClean="0"/>
+              <a:rPr lang="de-DE"/>
               <a:t>Fünfte Ebene</a:t>
             </a:r>
             <a:endParaRPr lang="de-CH"/>
@@ -1797,7 +1797,7 @@
           <a:p>
             <a:fld id="{4681F75E-962A-45C3-98CE-8645D5A252DE}" type="datetimeFigureOut">
               <a:rPr lang="de-CH" smtClean="0"/>
-              <a:t>01.12.2016</a:t>
+              <a:t>02.12.2016</a:t>
             </a:fld>
             <a:endParaRPr lang="de-CH"/>
           </a:p>
@@ -1900,7 +1900,7 @@
           </a:lstStyle>
           <a:p>
             <a:r>
-              <a:rPr lang="de-DE" smtClean="0"/>
+              <a:rPr lang="de-DE"/>
               <a:t>Titelmasterformat durch Klicken bearbeiten</a:t>
             </a:r>
             <a:endParaRPr lang="de-CH"/>
@@ -2020,7 +2020,7 @@
           <a:p>
             <a:pPr lvl="0"/>
             <a:r>
-              <a:rPr lang="de-DE" smtClean="0"/>
+              <a:rPr lang="de-DE"/>
               <a:t>Textmasterformat bearbeiten</a:t>
             </a:r>
           </a:p>
@@ -2043,7 +2043,7 @@
           <a:p>
             <a:fld id="{4681F75E-962A-45C3-98CE-8645D5A252DE}" type="datetimeFigureOut">
               <a:rPr lang="de-CH" smtClean="0"/>
-              <a:t>01.12.2016</a:t>
+              <a:t>02.12.2016</a:t>
             </a:fld>
             <a:endParaRPr lang="de-CH"/>
           </a:p>
@@ -2137,7 +2137,7 @@
           <a:lstStyle/>
           <a:p>
             <a:r>
-              <a:rPr lang="de-DE" smtClean="0"/>
+              <a:rPr lang="de-DE"/>
               <a:t>Titelmasterformat durch Klicken bearbeiten</a:t>
             </a:r>
             <a:endParaRPr lang="de-CH"/>
@@ -2166,35 +2166,35 @@
           <a:p>
             <a:pPr lvl="0"/>
             <a:r>
-              <a:rPr lang="de-DE" smtClean="0"/>
+              <a:rPr lang="de-DE"/>
               <a:t>Textmasterformat bearbeiten</a:t>
             </a:r>
           </a:p>
           <a:p>
             <a:pPr lvl="1"/>
             <a:r>
-              <a:rPr lang="de-DE" smtClean="0"/>
+              <a:rPr lang="de-DE"/>
               <a:t>Zweite Ebene</a:t>
             </a:r>
           </a:p>
           <a:p>
             <a:pPr lvl="2"/>
             <a:r>
-              <a:rPr lang="de-DE" smtClean="0"/>
+              <a:rPr lang="de-DE"/>
               <a:t>Dritte Ebene</a:t>
             </a:r>
           </a:p>
           <a:p>
             <a:pPr lvl="3"/>
             <a:r>
-              <a:rPr lang="de-DE" smtClean="0"/>
+              <a:rPr lang="de-DE"/>
               <a:t>Vierte Ebene</a:t>
             </a:r>
           </a:p>
           <a:p>
             <a:pPr lvl="4"/>
             <a:r>
-              <a:rPr lang="de-DE" smtClean="0"/>
+              <a:rPr lang="de-DE"/>
               <a:t>Fünfte Ebene</a:t>
             </a:r>
             <a:endParaRPr lang="de-CH"/>
@@ -2223,35 +2223,35 @@
           <a:p>
             <a:pPr lvl="0"/>
             <a:r>
-              <a:rPr lang="de-DE" smtClean="0"/>
+              <a:rPr lang="de-DE"/>
               <a:t>Textmasterformat bearbeiten</a:t>
             </a:r>
           </a:p>
           <a:p>
             <a:pPr lvl="1"/>
             <a:r>
-              <a:rPr lang="de-DE" smtClean="0"/>
+              <a:rPr lang="de-DE"/>
               <a:t>Zweite Ebene</a:t>
             </a:r>
           </a:p>
           <a:p>
             <a:pPr lvl="2"/>
             <a:r>
-              <a:rPr lang="de-DE" smtClean="0"/>
+              <a:rPr lang="de-DE"/>
               <a:t>Dritte Ebene</a:t>
             </a:r>
           </a:p>
           <a:p>
             <a:pPr lvl="3"/>
             <a:r>
-              <a:rPr lang="de-DE" smtClean="0"/>
+              <a:rPr lang="de-DE"/>
               <a:t>Vierte Ebene</a:t>
             </a:r>
           </a:p>
           <a:p>
             <a:pPr lvl="4"/>
             <a:r>
-              <a:rPr lang="de-DE" smtClean="0"/>
+              <a:rPr lang="de-DE"/>
               <a:t>Fünfte Ebene</a:t>
             </a:r>
             <a:endParaRPr lang="de-CH"/>
@@ -2275,7 +2275,7 @@
           <a:p>
             <a:fld id="{4681F75E-962A-45C3-98CE-8645D5A252DE}" type="datetimeFigureOut">
               <a:rPr lang="de-CH" smtClean="0"/>
-              <a:t>01.12.2016</a:t>
+              <a:t>02.12.2016</a:t>
             </a:fld>
             <a:endParaRPr lang="de-CH"/>
           </a:p>
@@ -2374,7 +2374,7 @@
           <a:lstStyle/>
           <a:p>
             <a:r>
-              <a:rPr lang="de-DE" smtClean="0"/>
+              <a:rPr lang="de-DE"/>
               <a:t>Titelmasterformat durch Klicken bearbeiten</a:t>
             </a:r>
             <a:endParaRPr lang="de-CH"/>
@@ -2440,7 +2440,7 @@
           <a:p>
             <a:pPr lvl="0"/>
             <a:r>
-              <a:rPr lang="de-DE" smtClean="0"/>
+              <a:rPr lang="de-DE"/>
               <a:t>Textmasterformat bearbeiten</a:t>
             </a:r>
           </a:p>
@@ -2468,35 +2468,35 @@
           <a:p>
             <a:pPr lvl="0"/>
             <a:r>
-              <a:rPr lang="de-DE" smtClean="0"/>
+              <a:rPr lang="de-DE"/>
               <a:t>Textmasterformat bearbeiten</a:t>
             </a:r>
           </a:p>
           <a:p>
             <a:pPr lvl="1"/>
             <a:r>
-              <a:rPr lang="de-DE" smtClean="0"/>
+              <a:rPr lang="de-DE"/>
               <a:t>Zweite Ebene</a:t>
             </a:r>
           </a:p>
           <a:p>
             <a:pPr lvl="2"/>
             <a:r>
-              <a:rPr lang="de-DE" smtClean="0"/>
+              <a:rPr lang="de-DE"/>
               <a:t>Dritte Ebene</a:t>
             </a:r>
           </a:p>
           <a:p>
             <a:pPr lvl="3"/>
             <a:r>
-              <a:rPr lang="de-DE" smtClean="0"/>
+              <a:rPr lang="de-DE"/>
               <a:t>Vierte Ebene</a:t>
             </a:r>
           </a:p>
           <a:p>
             <a:pPr lvl="4"/>
             <a:r>
-              <a:rPr lang="de-DE" smtClean="0"/>
+              <a:rPr lang="de-DE"/>
               <a:t>Fünfte Ebene</a:t>
             </a:r>
             <a:endParaRPr lang="de-CH"/>
@@ -2562,7 +2562,7 @@
           <a:p>
             <a:pPr lvl="0"/>
             <a:r>
-              <a:rPr lang="de-DE" smtClean="0"/>
+              <a:rPr lang="de-DE"/>
               <a:t>Textmasterformat bearbeiten</a:t>
             </a:r>
           </a:p>
@@ -2590,35 +2590,35 @@
           <a:p>
             <a:pPr lvl="0"/>
             <a:r>
-              <a:rPr lang="de-DE" smtClean="0"/>
+              <a:rPr lang="de-DE"/>
               <a:t>Textmasterformat bearbeiten</a:t>
             </a:r>
           </a:p>
           <a:p>
             <a:pPr lvl="1"/>
             <a:r>
-              <a:rPr lang="de-DE" smtClean="0"/>
+              <a:rPr lang="de-DE"/>
               <a:t>Zweite Ebene</a:t>
             </a:r>
           </a:p>
           <a:p>
             <a:pPr lvl="2"/>
             <a:r>
-              <a:rPr lang="de-DE" smtClean="0"/>
+              <a:rPr lang="de-DE"/>
               <a:t>Dritte Ebene</a:t>
             </a:r>
           </a:p>
           <a:p>
             <a:pPr lvl="3"/>
             <a:r>
-              <a:rPr lang="de-DE" smtClean="0"/>
+              <a:rPr lang="de-DE"/>
               <a:t>Vierte Ebene</a:t>
             </a:r>
           </a:p>
           <a:p>
             <a:pPr lvl="4"/>
             <a:r>
-              <a:rPr lang="de-DE" smtClean="0"/>
+              <a:rPr lang="de-DE"/>
               <a:t>Fünfte Ebene</a:t>
             </a:r>
             <a:endParaRPr lang="de-CH"/>
@@ -2642,7 +2642,7 @@
           <a:p>
             <a:fld id="{4681F75E-962A-45C3-98CE-8645D5A252DE}" type="datetimeFigureOut">
               <a:rPr lang="de-CH" smtClean="0"/>
-              <a:t>01.12.2016</a:t>
+              <a:t>02.12.2016</a:t>
             </a:fld>
             <a:endParaRPr lang="de-CH"/>
           </a:p>
@@ -2736,7 +2736,7 @@
           <a:lstStyle/>
           <a:p>
             <a:r>
-              <a:rPr lang="de-DE" smtClean="0"/>
+              <a:rPr lang="de-DE"/>
               <a:t>Titelmasterformat durch Klicken bearbeiten</a:t>
             </a:r>
             <a:endParaRPr lang="de-CH"/>
@@ -2760,7 +2760,7 @@
           <a:p>
             <a:fld id="{4681F75E-962A-45C3-98CE-8645D5A252DE}" type="datetimeFigureOut">
               <a:rPr lang="de-CH" smtClean="0"/>
-              <a:t>01.12.2016</a:t>
+              <a:t>02.12.2016</a:t>
             </a:fld>
             <a:endParaRPr lang="de-CH"/>
           </a:p>
@@ -2855,7 +2855,7 @@
           <a:p>
             <a:fld id="{4681F75E-962A-45C3-98CE-8645D5A252DE}" type="datetimeFigureOut">
               <a:rPr lang="de-CH" smtClean="0"/>
-              <a:t>01.12.2016</a:t>
+              <a:t>02.12.2016</a:t>
             </a:fld>
             <a:endParaRPr lang="de-CH"/>
           </a:p>
@@ -2958,7 +2958,7 @@
           </a:lstStyle>
           <a:p>
             <a:r>
-              <a:rPr lang="de-DE" smtClean="0"/>
+              <a:rPr lang="de-DE"/>
               <a:t>Titelmasterformat durch Klicken bearbeiten</a:t>
             </a:r>
             <a:endParaRPr lang="de-CH"/>
@@ -3015,35 +3015,35 @@
           <a:p>
             <a:pPr lvl="0"/>
             <a:r>
-              <a:rPr lang="de-DE" smtClean="0"/>
+              <a:rPr lang="de-DE"/>
               <a:t>Textmasterformat bearbeiten</a:t>
             </a:r>
           </a:p>
           <a:p>
             <a:pPr lvl="1"/>
             <a:r>
-              <a:rPr lang="de-DE" smtClean="0"/>
+              <a:rPr lang="de-DE"/>
               <a:t>Zweite Ebene</a:t>
             </a:r>
           </a:p>
           <a:p>
             <a:pPr lvl="2"/>
             <a:r>
-              <a:rPr lang="de-DE" smtClean="0"/>
+              <a:rPr lang="de-DE"/>
               <a:t>Dritte Ebene</a:t>
             </a:r>
           </a:p>
           <a:p>
             <a:pPr lvl="3"/>
             <a:r>
-              <a:rPr lang="de-DE" smtClean="0"/>
+              <a:rPr lang="de-DE"/>
               <a:t>Vierte Ebene</a:t>
             </a:r>
           </a:p>
           <a:p>
             <a:pPr lvl="4"/>
             <a:r>
-              <a:rPr lang="de-DE" smtClean="0"/>
+              <a:rPr lang="de-DE"/>
               <a:t>Fünfte Ebene</a:t>
             </a:r>
             <a:endParaRPr lang="de-CH"/>
@@ -3109,7 +3109,7 @@
           <a:p>
             <a:pPr lvl="0"/>
             <a:r>
-              <a:rPr lang="de-DE" smtClean="0"/>
+              <a:rPr lang="de-DE"/>
               <a:t>Textmasterformat bearbeiten</a:t>
             </a:r>
           </a:p>
@@ -3132,7 +3132,7 @@
           <a:p>
             <a:fld id="{4681F75E-962A-45C3-98CE-8645D5A252DE}" type="datetimeFigureOut">
               <a:rPr lang="de-CH" smtClean="0"/>
-              <a:t>01.12.2016</a:t>
+              <a:t>02.12.2016</a:t>
             </a:fld>
             <a:endParaRPr lang="de-CH"/>
           </a:p>
@@ -3235,7 +3235,7 @@
           </a:lstStyle>
           <a:p>
             <a:r>
-              <a:rPr lang="de-DE" smtClean="0"/>
+              <a:rPr lang="de-DE"/>
               <a:t>Titelmasterformat durch Klicken bearbeiten</a:t>
             </a:r>
             <a:endParaRPr lang="de-CH"/>
@@ -3362,7 +3362,7 @@
           <a:p>
             <a:pPr lvl="0"/>
             <a:r>
-              <a:rPr lang="de-DE" smtClean="0"/>
+              <a:rPr lang="de-DE"/>
               <a:t>Textmasterformat bearbeiten</a:t>
             </a:r>
           </a:p>
@@ -3385,7 +3385,7 @@
           <a:p>
             <a:fld id="{4681F75E-962A-45C3-98CE-8645D5A252DE}" type="datetimeFigureOut">
               <a:rPr lang="de-CH" smtClean="0"/>
-              <a:t>01.12.2016</a:t>
+              <a:t>02.12.2016</a:t>
             </a:fld>
             <a:endParaRPr lang="de-CH"/>
           </a:p>
@@ -3494,7 +3494,7 @@
           <a:lstStyle/>
           <a:p>
             <a:r>
-              <a:rPr lang="de-DE" smtClean="0"/>
+              <a:rPr lang="de-DE"/>
               <a:t>Titelmasterformat durch Klicken bearbeiten</a:t>
             </a:r>
             <a:endParaRPr lang="de-CH"/>
@@ -3528,35 +3528,35 @@
           <a:p>
             <a:pPr lvl="0"/>
             <a:r>
-              <a:rPr lang="de-DE" smtClean="0"/>
+              <a:rPr lang="de-DE"/>
               <a:t>Textmasterformat bearbeiten</a:t>
             </a:r>
           </a:p>
           <a:p>
             <a:pPr lvl="1"/>
             <a:r>
-              <a:rPr lang="de-DE" smtClean="0"/>
+              <a:rPr lang="de-DE"/>
               <a:t>Zweite Ebene</a:t>
             </a:r>
           </a:p>
           <a:p>
             <a:pPr lvl="2"/>
             <a:r>
-              <a:rPr lang="de-DE" smtClean="0"/>
+              <a:rPr lang="de-DE"/>
               <a:t>Dritte Ebene</a:t>
             </a:r>
           </a:p>
           <a:p>
             <a:pPr lvl="3"/>
             <a:r>
-              <a:rPr lang="de-DE" smtClean="0"/>
+              <a:rPr lang="de-DE"/>
               <a:t>Vierte Ebene</a:t>
             </a:r>
           </a:p>
           <a:p>
             <a:pPr lvl="4"/>
             <a:r>
-              <a:rPr lang="de-DE" smtClean="0"/>
+              <a:rPr lang="de-DE"/>
               <a:t>Fünfte Ebene</a:t>
             </a:r>
             <a:endParaRPr lang="de-CH"/>
@@ -3598,7 +3598,7 @@
           <a:p>
             <a:fld id="{4681F75E-962A-45C3-98CE-8645D5A252DE}" type="datetimeFigureOut">
               <a:rPr lang="de-CH" smtClean="0"/>
-              <a:t>01.12.2016</a:t>
+              <a:t>02.12.2016</a:t>
             </a:fld>
             <a:endParaRPr lang="de-CH"/>
           </a:p>
@@ -4022,11 +4022,11 @@
           <a:p>
             <a:r>
               <a:rPr lang="de-CH" dirty="0"/>
-              <a:t>CS1 – </a:t>
-            </a:r>
-            <a:r>
-              <a:rPr lang="de-CH" dirty="0" smtClean="0"/>
-              <a:t>Task9</a:t>
+              <a:t>CS1 </a:t>
+            </a:r>
+            <a:r>
+              <a:rPr lang="de-CH"/>
+              <a:t>– Task10</a:t>
             </a:r>
             <a:endParaRPr lang="de-CH" dirty="0"/>
           </a:p>
@@ -4083,13 +4083,6 @@
   <p:clrMapOvr>
     <a:masterClrMapping/>
   </p:clrMapOvr>
-  <p:timing>
-    <p:tnLst>
-      <p:par>
-        <p:cTn id="1" dur="indefinite" restart="never" nodeType="tmRoot"/>
-      </p:par>
-    </p:tnLst>
-  </p:timing>
 </p:sld>
 </file>
 
@@ -4126,11 +4119,11 @@
           <a:lstStyle/>
           <a:p>
             <a:r>
-              <a:rPr lang="de-CH" dirty="0" smtClean="0"/>
+              <a:rPr lang="de-CH" dirty="0"/>
               <a:t>Project </a:t>
             </a:r>
             <a:r>
-              <a:rPr lang="de-CH" dirty="0" err="1" smtClean="0"/>
+              <a:rPr lang="de-CH" dirty="0" err="1"/>
               <a:t>team</a:t>
             </a:r>
             <a:endParaRPr lang="de-CH" dirty="0"/>
@@ -4212,15 +4205,15 @@
           <a:lstStyle/>
           <a:p>
             <a:r>
-              <a:rPr lang="de-CH" dirty="0" err="1" smtClean="0"/>
+              <a:rPr lang="de-CH" dirty="0" err="1"/>
               <a:t>Product</a:t>
             </a:r>
             <a:r>
-              <a:rPr lang="de-CH" dirty="0" smtClean="0"/>
+              <a:rPr lang="de-CH" dirty="0"/>
               <a:t> </a:t>
             </a:r>
             <a:r>
-              <a:rPr lang="de-CH" dirty="0" err="1" smtClean="0"/>
+              <a:rPr lang="de-CH" dirty="0" err="1"/>
               <a:t>backlog</a:t>
             </a:r>
             <a:endParaRPr lang="de-CH" dirty="0"/>
@@ -4302,11 +4295,11 @@
           <a:lstStyle/>
           <a:p>
             <a:r>
-              <a:rPr lang="de-CH" dirty="0" smtClean="0"/>
+              <a:rPr lang="de-CH" dirty="0"/>
               <a:t>Sprint </a:t>
             </a:r>
             <a:r>
-              <a:rPr lang="de-CH" dirty="0" err="1" smtClean="0"/>
+              <a:rPr lang="de-CH" dirty="0" err="1"/>
               <a:t>backlog</a:t>
             </a:r>
             <a:endParaRPr lang="de-CH" dirty="0"/>
@@ -4388,7 +4381,7 @@
           <a:lstStyle/>
           <a:p>
             <a:r>
-              <a:rPr lang="de-CH" dirty="0" err="1" smtClean="0"/>
+              <a:rPr lang="de-CH" dirty="0" err="1"/>
               <a:t>Burndownchart</a:t>
             </a:r>
             <a:endParaRPr lang="de-CH" dirty="0"/>
@@ -4487,13 +4480,6 @@
   <p:clrMapOvr>
     <a:masterClrMapping/>
   </p:clrMapOvr>
-  <p:timing>
-    <p:tnLst>
-      <p:par>
-        <p:cTn id="1" dur="indefinite" restart="never" nodeType="tmRoot"/>
-      </p:par>
-    </p:tnLst>
-  </p:timing>
 </p:sld>
 </file>
 
